--- a/LDA_overview.pptx
+++ b/LDA_overview.pptx
@@ -109,6 +109,11 @@
       </a:defRPr>
     </a:lvl9pPr>
   </p:defaultTextStyle>
+  <p:extLst>
+    <p:ext uri="{EFAFB233-063F-42B5-8137-9DF3F51BA10A}">
+      <p15:sldGuideLst xmlns:p15="http://schemas.microsoft.com/office/powerpoint/2012/main"/>
+    </p:ext>
+  </p:extLst>
 </p:presentation>
 </file>
 
@@ -243,7 +248,7 @@
           <a:p>
             <a:fld id="{74001512-9CC2-4CC5-BC10-DA7B41AA598D}" type="datetimeFigureOut">
               <a:rPr lang="en-IN" smtClean="0"/>
-              <a:t>21-08-2021</a:t>
+              <a:t>23-08-2021</a:t>
             </a:fld>
             <a:endParaRPr lang="en-IN"/>
           </a:p>
@@ -413,7 +418,7 @@
           <a:p>
             <a:fld id="{74001512-9CC2-4CC5-BC10-DA7B41AA598D}" type="datetimeFigureOut">
               <a:rPr lang="en-IN" smtClean="0"/>
-              <a:t>21-08-2021</a:t>
+              <a:t>23-08-2021</a:t>
             </a:fld>
             <a:endParaRPr lang="en-IN"/>
           </a:p>
@@ -593,7 +598,7 @@
           <a:p>
             <a:fld id="{74001512-9CC2-4CC5-BC10-DA7B41AA598D}" type="datetimeFigureOut">
               <a:rPr lang="en-IN" smtClean="0"/>
-              <a:t>21-08-2021</a:t>
+              <a:t>23-08-2021</a:t>
             </a:fld>
             <a:endParaRPr lang="en-IN"/>
           </a:p>
@@ -763,7 +768,7 @@
           <a:p>
             <a:fld id="{74001512-9CC2-4CC5-BC10-DA7B41AA598D}" type="datetimeFigureOut">
               <a:rPr lang="en-IN" smtClean="0"/>
-              <a:t>21-08-2021</a:t>
+              <a:t>23-08-2021</a:t>
             </a:fld>
             <a:endParaRPr lang="en-IN"/>
           </a:p>
@@ -1009,7 +1014,7 @@
           <a:p>
             <a:fld id="{74001512-9CC2-4CC5-BC10-DA7B41AA598D}" type="datetimeFigureOut">
               <a:rPr lang="en-IN" smtClean="0"/>
-              <a:t>21-08-2021</a:t>
+              <a:t>23-08-2021</a:t>
             </a:fld>
             <a:endParaRPr lang="en-IN"/>
           </a:p>
@@ -1241,7 +1246,7 @@
           <a:p>
             <a:fld id="{74001512-9CC2-4CC5-BC10-DA7B41AA598D}" type="datetimeFigureOut">
               <a:rPr lang="en-IN" smtClean="0"/>
-              <a:t>21-08-2021</a:t>
+              <a:t>23-08-2021</a:t>
             </a:fld>
             <a:endParaRPr lang="en-IN"/>
           </a:p>
@@ -1608,7 +1613,7 @@
           <a:p>
             <a:fld id="{74001512-9CC2-4CC5-BC10-DA7B41AA598D}" type="datetimeFigureOut">
               <a:rPr lang="en-IN" smtClean="0"/>
-              <a:t>21-08-2021</a:t>
+              <a:t>23-08-2021</a:t>
             </a:fld>
             <a:endParaRPr lang="en-IN"/>
           </a:p>
@@ -1726,7 +1731,7 @@
           <a:p>
             <a:fld id="{74001512-9CC2-4CC5-BC10-DA7B41AA598D}" type="datetimeFigureOut">
               <a:rPr lang="en-IN" smtClean="0"/>
-              <a:t>21-08-2021</a:t>
+              <a:t>23-08-2021</a:t>
             </a:fld>
             <a:endParaRPr lang="en-IN"/>
           </a:p>
@@ -1821,7 +1826,7 @@
           <a:p>
             <a:fld id="{74001512-9CC2-4CC5-BC10-DA7B41AA598D}" type="datetimeFigureOut">
               <a:rPr lang="en-IN" smtClean="0"/>
-              <a:t>21-08-2021</a:t>
+              <a:t>23-08-2021</a:t>
             </a:fld>
             <a:endParaRPr lang="en-IN"/>
           </a:p>
@@ -2098,7 +2103,7 @@
           <a:p>
             <a:fld id="{74001512-9CC2-4CC5-BC10-DA7B41AA598D}" type="datetimeFigureOut">
               <a:rPr lang="en-IN" smtClean="0"/>
-              <a:t>21-08-2021</a:t>
+              <a:t>23-08-2021</a:t>
             </a:fld>
             <a:endParaRPr lang="en-IN"/>
           </a:p>
@@ -2351,7 +2356,7 @@
           <a:p>
             <a:fld id="{74001512-9CC2-4CC5-BC10-DA7B41AA598D}" type="datetimeFigureOut">
               <a:rPr lang="en-IN" smtClean="0"/>
-              <a:t>21-08-2021</a:t>
+              <a:t>23-08-2021</a:t>
             </a:fld>
             <a:endParaRPr lang="en-IN"/>
           </a:p>
@@ -2564,7 +2569,7 @@
           <a:p>
             <a:fld id="{74001512-9CC2-4CC5-BC10-DA7B41AA598D}" type="datetimeFigureOut">
               <a:rPr lang="en-IN" smtClean="0"/>
-              <a:t>21-08-2021</a:t>
+              <a:t>23-08-2021</a:t>
             </a:fld>
             <a:endParaRPr lang="en-IN"/>
           </a:p>
@@ -3044,8 +3049,8 @@
         </p:nvSpPr>
         <p:spPr>
           <a:xfrm>
-            <a:off x="281155" y="283128"/>
-            <a:ext cx="7423956" cy="923330"/>
+            <a:off x="259227" y="283128"/>
+            <a:ext cx="7467814" cy="923330"/>
           </a:xfrm>
           <a:prstGeom prst="rect">
             <a:avLst/>
@@ -3073,39 +3078,7 @@
                   </a:outerShdw>
                 </a:effectLst>
               </a:rPr>
-              <a:t>Linear </a:t>
-            </a:r>
-            <a:r>
-              <a:rPr lang="en-US" sz="5400" b="0" cap="none" spc="0" dirty="0" err="1">
-                <a:ln w="0"/>
-                <a:solidFill>
-                  <a:schemeClr val="tx1"/>
-                </a:solidFill>
-                <a:effectLst>
-                  <a:outerShdw blurRad="38100" dist="19050" dir="2700000" algn="tl" rotWithShape="0">
-                    <a:schemeClr val="dk1">
-                      <a:alpha val="40000"/>
-                    </a:schemeClr>
-                  </a:outerShdw>
-                </a:effectLst>
-              </a:rPr>
-              <a:t>Dirichlet</a:t>
-            </a:r>
-            <a:r>
-              <a:rPr lang="en-US" sz="5400" b="0" cap="none" spc="0" dirty="0">
-                <a:ln w="0"/>
-                <a:solidFill>
-                  <a:schemeClr val="tx1"/>
-                </a:solidFill>
-                <a:effectLst>
-                  <a:outerShdw blurRad="38100" dist="19050" dir="2700000" algn="tl" rotWithShape="0">
-                    <a:schemeClr val="dk1">
-                      <a:alpha val="40000"/>
-                    </a:schemeClr>
-                  </a:outerShdw>
-                </a:effectLst>
-              </a:rPr>
-              <a:t> Allocation</a:t>
+              <a:t>Latent Dirichlet Allocation</a:t>
             </a:r>
           </a:p>
         </p:txBody>
